--- a/docs/Diagrama Projeto Chaos.pptx
+++ b/docs/Diagrama Projeto Chaos.pptx
@@ -154,10 +154,9 @@
           </a:lstStyle>
           <a:p>
             <a:r>
-              <a:rPr lang="pt-BR" smtClean="0"/>
+              <a:rPr lang="pt-BR"/>
               <a:t>Clique para editar o título mestre</a:t>
             </a:r>
-            <a:endParaRPr lang="pt-BR"/>
           </a:p>
         </p:txBody>
       </p:sp>
@@ -219,10 +218,9 @@
           </a:lstStyle>
           <a:p>
             <a:r>
-              <a:rPr lang="pt-BR" smtClean="0"/>
+              <a:rPr lang="pt-BR"/>
               <a:t>Clique para editar o estilo do subtítulo Mestre</a:t>
             </a:r>
-            <a:endParaRPr lang="pt-BR"/>
           </a:p>
         </p:txBody>
       </p:sp>
@@ -337,10 +335,9 @@
           <a:lstStyle/>
           <a:p>
             <a:r>
-              <a:rPr lang="pt-BR" smtClean="0"/>
+              <a:rPr lang="pt-BR"/>
               <a:t>Clique para editar o título mestre</a:t>
             </a:r>
-            <a:endParaRPr lang="pt-BR"/>
           </a:p>
         </p:txBody>
       </p:sp>
@@ -361,38 +358,37 @@
           <a:p>
             <a:pPr lvl="0"/>
             <a:r>
-              <a:rPr lang="pt-BR" smtClean="0"/>
+              <a:rPr lang="pt-BR"/>
               <a:t>Editar estilos de texto Mestre</a:t>
             </a:r>
           </a:p>
           <a:p>
             <a:pPr lvl="1"/>
             <a:r>
-              <a:rPr lang="pt-BR" smtClean="0"/>
+              <a:rPr lang="pt-BR"/>
               <a:t>Segundo nível</a:t>
             </a:r>
           </a:p>
           <a:p>
             <a:pPr lvl="2"/>
             <a:r>
-              <a:rPr lang="pt-BR" smtClean="0"/>
+              <a:rPr lang="pt-BR"/>
               <a:t>Terceiro nível</a:t>
             </a:r>
           </a:p>
           <a:p>
             <a:pPr lvl="3"/>
             <a:r>
-              <a:rPr lang="pt-BR" smtClean="0"/>
+              <a:rPr lang="pt-BR"/>
               <a:t>Quarto nível</a:t>
             </a:r>
           </a:p>
           <a:p>
             <a:pPr lvl="4"/>
             <a:r>
-              <a:rPr lang="pt-BR" smtClean="0"/>
+              <a:rPr lang="pt-BR"/>
               <a:t>Quinto nível</a:t>
             </a:r>
-            <a:endParaRPr lang="pt-BR"/>
           </a:p>
         </p:txBody>
       </p:sp>
@@ -512,10 +508,9 @@
           <a:lstStyle/>
           <a:p>
             <a:r>
-              <a:rPr lang="pt-BR" smtClean="0"/>
+              <a:rPr lang="pt-BR"/>
               <a:t>Clique para editar o título mestre</a:t>
             </a:r>
-            <a:endParaRPr lang="pt-BR"/>
           </a:p>
         </p:txBody>
       </p:sp>
@@ -541,38 +536,37 @@
           <a:p>
             <a:pPr lvl="0"/>
             <a:r>
-              <a:rPr lang="pt-BR" smtClean="0"/>
+              <a:rPr lang="pt-BR"/>
               <a:t>Editar estilos de texto Mestre</a:t>
             </a:r>
           </a:p>
           <a:p>
             <a:pPr lvl="1"/>
             <a:r>
-              <a:rPr lang="pt-BR" smtClean="0"/>
+              <a:rPr lang="pt-BR"/>
               <a:t>Segundo nível</a:t>
             </a:r>
           </a:p>
           <a:p>
             <a:pPr lvl="2"/>
             <a:r>
-              <a:rPr lang="pt-BR" smtClean="0"/>
+              <a:rPr lang="pt-BR"/>
               <a:t>Terceiro nível</a:t>
             </a:r>
           </a:p>
           <a:p>
             <a:pPr lvl="3"/>
             <a:r>
-              <a:rPr lang="pt-BR" smtClean="0"/>
+              <a:rPr lang="pt-BR"/>
               <a:t>Quarto nível</a:t>
             </a:r>
           </a:p>
           <a:p>
             <a:pPr lvl="4"/>
             <a:r>
-              <a:rPr lang="pt-BR" smtClean="0"/>
+              <a:rPr lang="pt-BR"/>
               <a:t>Quinto nível</a:t>
             </a:r>
-            <a:endParaRPr lang="pt-BR"/>
           </a:p>
         </p:txBody>
       </p:sp>
@@ -687,10 +681,9 @@
           <a:lstStyle/>
           <a:p>
             <a:r>
-              <a:rPr lang="pt-BR" smtClean="0"/>
+              <a:rPr lang="pt-BR"/>
               <a:t>Clique para editar o título mestre</a:t>
             </a:r>
-            <a:endParaRPr lang="pt-BR"/>
           </a:p>
         </p:txBody>
       </p:sp>
@@ -711,38 +704,37 @@
           <a:p>
             <a:pPr lvl="0"/>
             <a:r>
-              <a:rPr lang="pt-BR" smtClean="0"/>
+              <a:rPr lang="pt-BR"/>
               <a:t>Editar estilos de texto Mestre</a:t>
             </a:r>
           </a:p>
           <a:p>
             <a:pPr lvl="1"/>
             <a:r>
-              <a:rPr lang="pt-BR" smtClean="0"/>
+              <a:rPr lang="pt-BR"/>
               <a:t>Segundo nível</a:t>
             </a:r>
           </a:p>
           <a:p>
             <a:pPr lvl="2"/>
             <a:r>
-              <a:rPr lang="pt-BR" smtClean="0"/>
+              <a:rPr lang="pt-BR"/>
               <a:t>Terceiro nível</a:t>
             </a:r>
           </a:p>
           <a:p>
             <a:pPr lvl="3"/>
             <a:r>
-              <a:rPr lang="pt-BR" smtClean="0"/>
+              <a:rPr lang="pt-BR"/>
               <a:t>Quarto nível</a:t>
             </a:r>
           </a:p>
           <a:p>
             <a:pPr lvl="4"/>
             <a:r>
-              <a:rPr lang="pt-BR" smtClean="0"/>
+              <a:rPr lang="pt-BR"/>
               <a:t>Quinto nível</a:t>
             </a:r>
-            <a:endParaRPr lang="pt-BR"/>
           </a:p>
         </p:txBody>
       </p:sp>
@@ -866,10 +858,9 @@
           </a:lstStyle>
           <a:p>
             <a:r>
-              <a:rPr lang="pt-BR" smtClean="0"/>
+              <a:rPr lang="pt-BR"/>
               <a:t>Clique para editar o título mestre</a:t>
             </a:r>
-            <a:endParaRPr lang="pt-BR"/>
           </a:p>
         </p:txBody>
       </p:sp>
@@ -986,7 +977,7 @@
           <a:p>
             <a:pPr lvl="0"/>
             <a:r>
-              <a:rPr lang="pt-BR" smtClean="0"/>
+              <a:rPr lang="pt-BR"/>
               <a:t>Editar estilos de texto Mestre</a:t>
             </a:r>
           </a:p>
@@ -1103,10 +1094,9 @@
           <a:lstStyle/>
           <a:p>
             <a:r>
-              <a:rPr lang="pt-BR" smtClean="0"/>
+              <a:rPr lang="pt-BR"/>
               <a:t>Clique para editar o título mestre</a:t>
             </a:r>
-            <a:endParaRPr lang="pt-BR"/>
           </a:p>
         </p:txBody>
       </p:sp>
@@ -1132,38 +1122,37 @@
           <a:p>
             <a:pPr lvl="0"/>
             <a:r>
-              <a:rPr lang="pt-BR" smtClean="0"/>
+              <a:rPr lang="pt-BR"/>
               <a:t>Editar estilos de texto Mestre</a:t>
             </a:r>
           </a:p>
           <a:p>
             <a:pPr lvl="1"/>
             <a:r>
-              <a:rPr lang="pt-BR" smtClean="0"/>
+              <a:rPr lang="pt-BR"/>
               <a:t>Segundo nível</a:t>
             </a:r>
           </a:p>
           <a:p>
             <a:pPr lvl="2"/>
             <a:r>
-              <a:rPr lang="pt-BR" smtClean="0"/>
+              <a:rPr lang="pt-BR"/>
               <a:t>Terceiro nível</a:t>
             </a:r>
           </a:p>
           <a:p>
             <a:pPr lvl="3"/>
             <a:r>
-              <a:rPr lang="pt-BR" smtClean="0"/>
+              <a:rPr lang="pt-BR"/>
               <a:t>Quarto nível</a:t>
             </a:r>
           </a:p>
           <a:p>
             <a:pPr lvl="4"/>
             <a:r>
-              <a:rPr lang="pt-BR" smtClean="0"/>
+              <a:rPr lang="pt-BR"/>
               <a:t>Quinto nível</a:t>
             </a:r>
-            <a:endParaRPr lang="pt-BR"/>
           </a:p>
         </p:txBody>
       </p:sp>
@@ -1189,38 +1178,37 @@
           <a:p>
             <a:pPr lvl="0"/>
             <a:r>
-              <a:rPr lang="pt-BR" smtClean="0"/>
+              <a:rPr lang="pt-BR"/>
               <a:t>Editar estilos de texto Mestre</a:t>
             </a:r>
           </a:p>
           <a:p>
             <a:pPr lvl="1"/>
             <a:r>
-              <a:rPr lang="pt-BR" smtClean="0"/>
+              <a:rPr lang="pt-BR"/>
               <a:t>Segundo nível</a:t>
             </a:r>
           </a:p>
           <a:p>
             <a:pPr lvl="2"/>
             <a:r>
-              <a:rPr lang="pt-BR" smtClean="0"/>
+              <a:rPr lang="pt-BR"/>
               <a:t>Terceiro nível</a:t>
             </a:r>
           </a:p>
           <a:p>
             <a:pPr lvl="3"/>
             <a:r>
-              <a:rPr lang="pt-BR" smtClean="0"/>
+              <a:rPr lang="pt-BR"/>
               <a:t>Quarto nível</a:t>
             </a:r>
           </a:p>
           <a:p>
             <a:pPr lvl="4"/>
             <a:r>
-              <a:rPr lang="pt-BR" smtClean="0"/>
+              <a:rPr lang="pt-BR"/>
               <a:t>Quinto nível</a:t>
             </a:r>
-            <a:endParaRPr lang="pt-BR"/>
           </a:p>
         </p:txBody>
       </p:sp>
@@ -1340,10 +1328,9 @@
           <a:lstStyle/>
           <a:p>
             <a:r>
-              <a:rPr lang="pt-BR" smtClean="0"/>
+              <a:rPr lang="pt-BR"/>
               <a:t>Clique para editar o título mestre</a:t>
             </a:r>
-            <a:endParaRPr lang="pt-BR"/>
           </a:p>
         </p:txBody>
       </p:sp>
@@ -1406,7 +1393,7 @@
           <a:p>
             <a:pPr lvl="0"/>
             <a:r>
-              <a:rPr lang="pt-BR" smtClean="0"/>
+              <a:rPr lang="pt-BR"/>
               <a:t>Editar estilos de texto Mestre</a:t>
             </a:r>
           </a:p>
@@ -1434,38 +1421,37 @@
           <a:p>
             <a:pPr lvl="0"/>
             <a:r>
-              <a:rPr lang="pt-BR" smtClean="0"/>
+              <a:rPr lang="pt-BR"/>
               <a:t>Editar estilos de texto Mestre</a:t>
             </a:r>
           </a:p>
           <a:p>
             <a:pPr lvl="1"/>
             <a:r>
-              <a:rPr lang="pt-BR" smtClean="0"/>
+              <a:rPr lang="pt-BR"/>
               <a:t>Segundo nível</a:t>
             </a:r>
           </a:p>
           <a:p>
             <a:pPr lvl="2"/>
             <a:r>
-              <a:rPr lang="pt-BR" smtClean="0"/>
+              <a:rPr lang="pt-BR"/>
               <a:t>Terceiro nível</a:t>
             </a:r>
           </a:p>
           <a:p>
             <a:pPr lvl="3"/>
             <a:r>
-              <a:rPr lang="pt-BR" smtClean="0"/>
+              <a:rPr lang="pt-BR"/>
               <a:t>Quarto nível</a:t>
             </a:r>
           </a:p>
           <a:p>
             <a:pPr lvl="4"/>
             <a:r>
-              <a:rPr lang="pt-BR" smtClean="0"/>
+              <a:rPr lang="pt-BR"/>
               <a:t>Quinto nível</a:t>
             </a:r>
-            <a:endParaRPr lang="pt-BR"/>
           </a:p>
         </p:txBody>
       </p:sp>
@@ -1528,7 +1514,7 @@
           <a:p>
             <a:pPr lvl="0"/>
             <a:r>
-              <a:rPr lang="pt-BR" smtClean="0"/>
+              <a:rPr lang="pt-BR"/>
               <a:t>Editar estilos de texto Mestre</a:t>
             </a:r>
           </a:p>
@@ -1556,38 +1542,37 @@
           <a:p>
             <a:pPr lvl="0"/>
             <a:r>
-              <a:rPr lang="pt-BR" smtClean="0"/>
+              <a:rPr lang="pt-BR"/>
               <a:t>Editar estilos de texto Mestre</a:t>
             </a:r>
           </a:p>
           <a:p>
             <a:pPr lvl="1"/>
             <a:r>
-              <a:rPr lang="pt-BR" smtClean="0"/>
+              <a:rPr lang="pt-BR"/>
               <a:t>Segundo nível</a:t>
             </a:r>
           </a:p>
           <a:p>
             <a:pPr lvl="2"/>
             <a:r>
-              <a:rPr lang="pt-BR" smtClean="0"/>
+              <a:rPr lang="pt-BR"/>
               <a:t>Terceiro nível</a:t>
             </a:r>
           </a:p>
           <a:p>
             <a:pPr lvl="3"/>
             <a:r>
-              <a:rPr lang="pt-BR" smtClean="0"/>
+              <a:rPr lang="pt-BR"/>
               <a:t>Quarto nível</a:t>
             </a:r>
           </a:p>
           <a:p>
             <a:pPr lvl="4"/>
             <a:r>
-              <a:rPr lang="pt-BR" smtClean="0"/>
+              <a:rPr lang="pt-BR"/>
               <a:t>Quinto nível</a:t>
             </a:r>
-            <a:endParaRPr lang="pt-BR"/>
           </a:p>
         </p:txBody>
       </p:sp>
@@ -1702,10 +1687,9 @@
           <a:lstStyle/>
           <a:p>
             <a:r>
-              <a:rPr lang="pt-BR" smtClean="0"/>
+              <a:rPr lang="pt-BR"/>
               <a:t>Clique para editar o título mestre</a:t>
             </a:r>
-            <a:endParaRPr lang="pt-BR"/>
           </a:p>
         </p:txBody>
       </p:sp>
@@ -1924,10 +1908,9 @@
           </a:lstStyle>
           <a:p>
             <a:r>
-              <a:rPr lang="pt-BR" smtClean="0"/>
+              <a:rPr lang="pt-BR"/>
               <a:t>Clique para editar o título mestre</a:t>
             </a:r>
-            <a:endParaRPr lang="pt-BR"/>
           </a:p>
         </p:txBody>
       </p:sp>
@@ -1981,38 +1964,37 @@
           <a:p>
             <a:pPr lvl="0"/>
             <a:r>
-              <a:rPr lang="pt-BR" smtClean="0"/>
+              <a:rPr lang="pt-BR"/>
               <a:t>Editar estilos de texto Mestre</a:t>
             </a:r>
           </a:p>
           <a:p>
             <a:pPr lvl="1"/>
             <a:r>
-              <a:rPr lang="pt-BR" smtClean="0"/>
+              <a:rPr lang="pt-BR"/>
               <a:t>Segundo nível</a:t>
             </a:r>
           </a:p>
           <a:p>
             <a:pPr lvl="2"/>
             <a:r>
-              <a:rPr lang="pt-BR" smtClean="0"/>
+              <a:rPr lang="pt-BR"/>
               <a:t>Terceiro nível</a:t>
             </a:r>
           </a:p>
           <a:p>
             <a:pPr lvl="3"/>
             <a:r>
-              <a:rPr lang="pt-BR" smtClean="0"/>
+              <a:rPr lang="pt-BR"/>
               <a:t>Quarto nível</a:t>
             </a:r>
           </a:p>
           <a:p>
             <a:pPr lvl="4"/>
             <a:r>
-              <a:rPr lang="pt-BR" smtClean="0"/>
+              <a:rPr lang="pt-BR"/>
               <a:t>Quinto nível</a:t>
             </a:r>
-            <a:endParaRPr lang="pt-BR"/>
           </a:p>
         </p:txBody>
       </p:sp>
@@ -2075,7 +2057,7 @@
           <a:p>
             <a:pPr lvl="0"/>
             <a:r>
-              <a:rPr lang="pt-BR" smtClean="0"/>
+              <a:rPr lang="pt-BR"/>
               <a:t>Editar estilos de texto Mestre</a:t>
             </a:r>
           </a:p>
@@ -2201,10 +2183,9 @@
           </a:lstStyle>
           <a:p>
             <a:r>
-              <a:rPr lang="pt-BR" smtClean="0"/>
+              <a:rPr lang="pt-BR"/>
               <a:t>Clique para editar o título mestre</a:t>
             </a:r>
-            <a:endParaRPr lang="pt-BR"/>
           </a:p>
         </p:txBody>
       </p:sp>
@@ -2328,7 +2309,7 @@
           <a:p>
             <a:pPr lvl="0"/>
             <a:r>
-              <a:rPr lang="pt-BR" smtClean="0"/>
+              <a:rPr lang="pt-BR"/>
               <a:t>Editar estilos de texto Mestre</a:t>
             </a:r>
           </a:p>
@@ -2460,10 +2441,9 @@
           <a:lstStyle/>
           <a:p>
             <a:r>
-              <a:rPr lang="pt-BR" smtClean="0"/>
+              <a:rPr lang="pt-BR"/>
               <a:t>Clique para editar o título mestre</a:t>
             </a:r>
-            <a:endParaRPr lang="pt-BR"/>
           </a:p>
         </p:txBody>
       </p:sp>
@@ -2494,38 +2474,37 @@
           <a:p>
             <a:pPr lvl="0"/>
             <a:r>
-              <a:rPr lang="pt-BR" smtClean="0"/>
+              <a:rPr lang="pt-BR"/>
               <a:t>Editar estilos de texto Mestre</a:t>
             </a:r>
           </a:p>
           <a:p>
             <a:pPr lvl="1"/>
             <a:r>
-              <a:rPr lang="pt-BR" smtClean="0"/>
+              <a:rPr lang="pt-BR"/>
               <a:t>Segundo nível</a:t>
             </a:r>
           </a:p>
           <a:p>
             <a:pPr lvl="2"/>
             <a:r>
-              <a:rPr lang="pt-BR" smtClean="0"/>
+              <a:rPr lang="pt-BR"/>
               <a:t>Terceiro nível</a:t>
             </a:r>
           </a:p>
           <a:p>
             <a:pPr lvl="3"/>
             <a:r>
-              <a:rPr lang="pt-BR" smtClean="0"/>
+              <a:rPr lang="pt-BR"/>
               <a:t>Quarto nível</a:t>
             </a:r>
           </a:p>
           <a:p>
             <a:pPr lvl="4"/>
             <a:r>
-              <a:rPr lang="pt-BR" smtClean="0"/>
+              <a:rPr lang="pt-BR"/>
               <a:t>Quinto nível</a:t>
             </a:r>
-            <a:endParaRPr lang="pt-BR"/>
           </a:p>
         </p:txBody>
       </p:sp>
@@ -3288,7 +3267,7 @@
           <a:lstStyle/>
           <a:p>
             <a:r>
-              <a:rPr lang="pt-BR" b="1" i="1" dirty="0" smtClean="0">
+              <a:rPr lang="pt-BR" b="1" i="1" dirty="0">
                 <a:latin typeface="Roboto" panose="02000000000000000000" pitchFamily="2" charset="0"/>
                 <a:ea typeface="Roboto" panose="02000000000000000000" pitchFamily="2" charset="0"/>
                 <a:cs typeface="Roboto" panose="02000000000000000000" pitchFamily="2" charset="0"/>
@@ -3296,18 +3275,13 @@
               <a:t>CALCULADORA E GERENCIADOR DE TAREFAS </a:t>
             </a:r>
             <a:r>
-              <a:rPr lang="pt-BR" i="1" dirty="0" smtClean="0">
+              <a:rPr lang="pt-BR" i="1" dirty="0">
                 <a:latin typeface="Roboto" panose="02000000000000000000" pitchFamily="2" charset="0"/>
                 <a:ea typeface="Roboto" panose="02000000000000000000" pitchFamily="2" charset="0"/>
                 <a:cs typeface="Roboto" panose="02000000000000000000" pitchFamily="2" charset="0"/>
               </a:rPr>
               <a:t>COM ANGULAR 8</a:t>
             </a:r>
-            <a:endParaRPr lang="pt-BR" i="1" dirty="0">
-              <a:latin typeface="Roboto" panose="02000000000000000000" pitchFamily="2" charset="0"/>
-              <a:ea typeface="Roboto" panose="02000000000000000000" pitchFamily="2" charset="0"/>
-              <a:cs typeface="Roboto" panose="02000000000000000000" pitchFamily="2" charset="0"/>
-            </a:endParaRPr>
           </a:p>
         </p:txBody>
       </p:sp>
@@ -3334,7 +3308,7 @@
           <a:lstStyle/>
           <a:p>
             <a:r>
-              <a:rPr lang="pt-BR" b="1" i="1" dirty="0" smtClean="0">
+              <a:rPr lang="pt-BR" b="1" i="1" dirty="0">
                 <a:latin typeface="Roboto" panose="02000000000000000000" pitchFamily="2" charset="0"/>
                 <a:ea typeface="Roboto" panose="02000000000000000000" pitchFamily="2" charset="0"/>
                 <a:cs typeface="Roboto" panose="02000000000000000000" pitchFamily="2" charset="0"/>
@@ -3342,18 +3316,13 @@
               <a:t>BUSCADOR DE REPOSITÓRIOS </a:t>
             </a:r>
             <a:r>
-              <a:rPr lang="pt-BR" i="1" dirty="0" smtClean="0">
+              <a:rPr lang="pt-BR" i="1" dirty="0">
                 <a:latin typeface="Roboto" panose="02000000000000000000" pitchFamily="2" charset="0"/>
                 <a:ea typeface="Roboto" panose="02000000000000000000" pitchFamily="2" charset="0"/>
                 <a:cs typeface="Roboto" panose="02000000000000000000" pitchFamily="2" charset="0"/>
               </a:rPr>
               <a:t>COM HTML 5, CSS 3 E JAVASCRIPT</a:t>
             </a:r>
-            <a:endParaRPr lang="pt-BR" i="1" dirty="0">
-              <a:latin typeface="Roboto" panose="02000000000000000000" pitchFamily="2" charset="0"/>
-              <a:ea typeface="Roboto" panose="02000000000000000000" pitchFamily="2" charset="0"/>
-              <a:cs typeface="Roboto" panose="02000000000000000000" pitchFamily="2" charset="0"/>
-            </a:endParaRPr>
           </a:p>
         </p:txBody>
       </p:sp>
@@ -3366,7 +3335,7 @@
         <p:spPr>
           <a:xfrm>
             <a:off x="2058436" y="5912864"/>
-            <a:ext cx="2797511" cy="646331"/>
+            <a:ext cx="2797511" cy="923330"/>
           </a:xfrm>
           <a:prstGeom prst="rect">
             <a:avLst/>
@@ -3380,7 +3349,7 @@
           <a:lstStyle/>
           <a:p>
             <a:r>
-              <a:rPr lang="pt-BR" b="1" i="1" dirty="0" smtClean="0">
+              <a:rPr lang="pt-BR" b="1" i="1" dirty="0">
                 <a:latin typeface="Roboto" panose="02000000000000000000" pitchFamily="2" charset="0"/>
                 <a:ea typeface="Roboto" panose="02000000000000000000" pitchFamily="2" charset="0"/>
                 <a:cs typeface="Roboto" panose="02000000000000000000" pitchFamily="2" charset="0"/>
@@ -3388,18 +3357,13 @@
               <a:t>API REST DE TERMOS ÚTEIS </a:t>
             </a:r>
             <a:r>
-              <a:rPr lang="pt-BR" i="1" dirty="0" smtClean="0">
+              <a:rPr lang="pt-BR" i="1" dirty="0">
                 <a:latin typeface="Roboto" panose="02000000000000000000" pitchFamily="2" charset="0"/>
                 <a:ea typeface="Roboto" panose="02000000000000000000" pitchFamily="2" charset="0"/>
                 <a:cs typeface="Roboto" panose="02000000000000000000" pitchFamily="2" charset="0"/>
               </a:rPr>
-              <a:t>COM NODEJS</a:t>
-            </a:r>
-            <a:endParaRPr lang="pt-BR" i="1" dirty="0">
-              <a:latin typeface="Roboto" panose="02000000000000000000" pitchFamily="2" charset="0"/>
-              <a:ea typeface="Roboto" panose="02000000000000000000" pitchFamily="2" charset="0"/>
-              <a:cs typeface="Roboto" panose="02000000000000000000" pitchFamily="2" charset="0"/>
-            </a:endParaRPr>
+              <a:t>COM NODEJS E MONGODB</a:t>
+            </a:r>
           </a:p>
         </p:txBody>
       </p:sp>
@@ -3660,7 +3624,7 @@
           <a:lstStyle/>
           <a:p>
             <a:r>
-              <a:rPr lang="pt-BR" sz="2800" b="1" i="1" dirty="0" smtClean="0">
+              <a:rPr lang="pt-BR" sz="2800" b="1" i="1" dirty="0">
                 <a:latin typeface="Roboto" panose="02000000000000000000" pitchFamily="2" charset="0"/>
                 <a:ea typeface="Roboto" panose="02000000000000000000" pitchFamily="2" charset="0"/>
                 <a:cs typeface="Roboto" panose="02000000000000000000" pitchFamily="2" charset="0"/>
@@ -3736,7 +3700,7 @@
           <a:lstStyle/>
           <a:p>
             <a:r>
-              <a:rPr lang="pt-BR" sz="2800" b="1" i="1" dirty="0" smtClean="0">
+              <a:rPr lang="pt-BR" sz="2800" b="1" i="1" dirty="0">
                 <a:latin typeface="Roboto" panose="02000000000000000000" pitchFamily="2" charset="0"/>
                 <a:ea typeface="Roboto" panose="02000000000000000000" pitchFamily="2" charset="0"/>
                 <a:cs typeface="Roboto" panose="02000000000000000000" pitchFamily="2" charset="0"/>
@@ -3774,7 +3738,7 @@
           <a:lstStyle/>
           <a:p>
             <a:r>
-              <a:rPr lang="pt-BR" sz="2800" b="1" i="1" dirty="0" smtClean="0">
+              <a:rPr lang="pt-BR" sz="2800" b="1" i="1" dirty="0">
                 <a:latin typeface="Roboto" panose="02000000000000000000" pitchFamily="2" charset="0"/>
                 <a:ea typeface="Roboto" panose="02000000000000000000" pitchFamily="2" charset="0"/>
                 <a:cs typeface="Roboto" panose="02000000000000000000" pitchFamily="2" charset="0"/>
@@ -3812,7 +3776,7 @@
           <a:lstStyle/>
           <a:p>
             <a:r>
-              <a:rPr lang="pt-BR" i="1" dirty="0" smtClean="0">
+              <a:rPr lang="pt-BR" i="1" dirty="0">
                 <a:latin typeface="Roboto" panose="02000000000000000000" pitchFamily="2" charset="0"/>
                 <a:ea typeface="Roboto" panose="02000000000000000000" pitchFamily="2" charset="0"/>
                 <a:cs typeface="Roboto" panose="02000000000000000000" pitchFamily="2" charset="0"/>
@@ -3820,7 +3784,7 @@
               <a:t>OSQUESTRAÇÃO DOS CONTÊINERS </a:t>
             </a:r>
             <a:r>
-              <a:rPr lang="pt-BR" b="1" i="1" dirty="0" smtClean="0">
+              <a:rPr lang="pt-BR" b="1" i="1" dirty="0">
                 <a:latin typeface="Roboto" panose="02000000000000000000" pitchFamily="2" charset="0"/>
                 <a:ea typeface="Roboto" panose="02000000000000000000" pitchFamily="2" charset="0"/>
                 <a:cs typeface="Roboto" panose="02000000000000000000" pitchFamily="2" charset="0"/>
@@ -3828,7 +3792,7 @@
               <a:t>DOCKER </a:t>
             </a:r>
             <a:r>
-              <a:rPr lang="pt-BR" i="1" dirty="0" smtClean="0">
+              <a:rPr lang="pt-BR" i="1" dirty="0">
                 <a:latin typeface="Roboto" panose="02000000000000000000" pitchFamily="2" charset="0"/>
                 <a:ea typeface="Roboto" panose="02000000000000000000" pitchFamily="2" charset="0"/>
                 <a:cs typeface="Roboto" panose="02000000000000000000" pitchFamily="2" charset="0"/>
@@ -3836,13 +3800,128 @@
               <a:t>COM </a:t>
             </a:r>
             <a:r>
-              <a:rPr lang="pt-BR" b="1" i="1" dirty="0" smtClean="0">
+              <a:rPr lang="pt-BR" b="1" i="1" dirty="0">
                 <a:latin typeface="Roboto" panose="02000000000000000000" pitchFamily="2" charset="0"/>
                 <a:ea typeface="Roboto" panose="02000000000000000000" pitchFamily="2" charset="0"/>
                 <a:cs typeface="Roboto" panose="02000000000000000000" pitchFamily="2" charset="0"/>
               </a:rPr>
               <a:t>KUBERNETES MINIKUBE</a:t>
             </a:r>
+          </a:p>
+        </p:txBody>
+      </p:sp>
+      <p:sp>
+        <p:nvSpPr>
+          <p:cNvPr id="78" name="CaixaDeTexto 77"/>
+          <p:cNvSpPr txBox="1"/>
+          <p:nvPr/>
+        </p:nvSpPr>
+        <p:spPr>
+          <a:xfrm>
+            <a:off x="4927928" y="4531832"/>
+            <a:ext cx="2308631" cy="923330"/>
+          </a:xfrm>
+          <a:prstGeom prst="rect">
+            <a:avLst/>
+          </a:prstGeom>
+          <a:noFill/>
+        </p:spPr>
+        <p:txBody>
+          <a:bodyPr wrap="square" rtlCol="0">
+            <a:spAutoFit/>
+          </a:bodyPr>
+          <a:lstStyle/>
+          <a:p>
+            <a:r>
+              <a:rPr lang="pt-BR" i="1" dirty="0">
+                <a:latin typeface="Roboto" panose="02000000000000000000" pitchFamily="2" charset="0"/>
+                <a:ea typeface="Roboto" panose="02000000000000000000" pitchFamily="2" charset="0"/>
+                <a:cs typeface="Roboto" panose="02000000000000000000" pitchFamily="2" charset="0"/>
+              </a:rPr>
+              <a:t>CONTÊINERIZAÇÃO DAS 4 APLICAÇÕES COM </a:t>
+            </a:r>
+            <a:r>
+              <a:rPr lang="pt-BR" b="1" i="1" dirty="0">
+                <a:latin typeface="Roboto" panose="02000000000000000000" pitchFamily="2" charset="0"/>
+                <a:ea typeface="Roboto" panose="02000000000000000000" pitchFamily="2" charset="0"/>
+                <a:cs typeface="Roboto" panose="02000000000000000000" pitchFamily="2" charset="0"/>
+              </a:rPr>
+              <a:t>DOCKER</a:t>
+            </a:r>
+          </a:p>
+        </p:txBody>
+      </p:sp>
+      <p:sp>
+        <p:nvSpPr>
+          <p:cNvPr id="79" name="CaixaDeTexto 78"/>
+          <p:cNvSpPr txBox="1"/>
+          <p:nvPr/>
+        </p:nvSpPr>
+        <p:spPr>
+          <a:xfrm>
+            <a:off x="5235031" y="1348288"/>
+            <a:ext cx="2928952" cy="646331"/>
+          </a:xfrm>
+          <a:prstGeom prst="rect">
+            <a:avLst/>
+          </a:prstGeom>
+          <a:noFill/>
+        </p:spPr>
+        <p:txBody>
+          <a:bodyPr wrap="square" rtlCol="0">
+            <a:spAutoFit/>
+          </a:bodyPr>
+          <a:lstStyle/>
+          <a:p>
+            <a:r>
+              <a:rPr lang="pt-BR" i="1" dirty="0">
+                <a:latin typeface="Roboto" panose="02000000000000000000" pitchFamily="2" charset="0"/>
+                <a:ea typeface="Roboto" panose="02000000000000000000" pitchFamily="2" charset="0"/>
+                <a:cs typeface="Roboto" panose="02000000000000000000" pitchFamily="2" charset="0"/>
+              </a:rPr>
+              <a:t>DEPLOY DOS PODS NA </a:t>
+            </a:r>
+            <a:r>
+              <a:rPr lang="pt-BR" b="1" i="1" dirty="0">
+                <a:latin typeface="Roboto" panose="02000000000000000000" pitchFamily="2" charset="0"/>
+                <a:ea typeface="Roboto" panose="02000000000000000000" pitchFamily="2" charset="0"/>
+                <a:cs typeface="Roboto" panose="02000000000000000000" pitchFamily="2" charset="0"/>
+              </a:rPr>
+              <a:t>AMAZON WEB SERVICES</a:t>
+            </a:r>
+          </a:p>
+        </p:txBody>
+      </p:sp>
+      <p:sp>
+        <p:nvSpPr>
+          <p:cNvPr id="85" name="CaixaDeTexto 84"/>
+          <p:cNvSpPr txBox="1"/>
+          <p:nvPr/>
+        </p:nvSpPr>
+        <p:spPr>
+          <a:xfrm>
+            <a:off x="8599774" y="4702395"/>
+            <a:ext cx="454706" cy="523220"/>
+          </a:xfrm>
+          <a:prstGeom prst="rect">
+            <a:avLst/>
+          </a:prstGeom>
+          <a:noFill/>
+        </p:spPr>
+        <p:txBody>
+          <a:bodyPr wrap="square" rtlCol="0">
+            <a:spAutoFit/>
+          </a:bodyPr>
+          <a:lstStyle/>
+          <a:p>
+            <a:r>
+              <a:rPr lang="pt-BR" sz="2800" b="1" i="1" dirty="0">
+                <a:latin typeface="Roboto" panose="02000000000000000000" pitchFamily="2" charset="0"/>
+                <a:ea typeface="Roboto" panose="02000000000000000000" pitchFamily="2" charset="0"/>
+                <a:cs typeface="Roboto" panose="02000000000000000000" pitchFamily="2" charset="0"/>
+              </a:rPr>
+              <a:t>5</a:t>
+            </a:r>
             <a:endParaRPr lang="pt-BR" b="1" i="1" dirty="0">
               <a:latin typeface="Roboto" panose="02000000000000000000" pitchFamily="2" charset="0"/>
               <a:ea typeface="Roboto" panose="02000000000000000000" pitchFamily="2" charset="0"/>
@@ -3853,14 +3932,14 @@
       </p:sp>
       <p:sp>
         <p:nvSpPr>
-          <p:cNvPr id="78" name="CaixaDeTexto 77"/>
+          <p:cNvPr id="86" name="CaixaDeTexto 85"/>
           <p:cNvSpPr txBox="1"/>
           <p:nvPr/>
         </p:nvSpPr>
         <p:spPr>
           <a:xfrm>
-            <a:off x="4927928" y="4531832"/>
-            <a:ext cx="2308631" cy="923330"/>
+            <a:off x="10067858" y="4026334"/>
+            <a:ext cx="1980450" cy="923330"/>
           </a:xfrm>
           <a:prstGeom prst="rect">
             <a:avLst/>
@@ -3874,137 +3953,7 @@
           <a:lstStyle/>
           <a:p>
             <a:r>
-              <a:rPr lang="pt-BR" i="1" dirty="0" smtClean="0">
-                <a:latin typeface="Roboto" panose="02000000000000000000" pitchFamily="2" charset="0"/>
-                <a:ea typeface="Roboto" panose="02000000000000000000" pitchFamily="2" charset="0"/>
-                <a:cs typeface="Roboto" panose="02000000000000000000" pitchFamily="2" charset="0"/>
-              </a:rPr>
-              <a:t>CONTÊINERIZAÇÃO DAS 4 APLICAÇÕES COM </a:t>
-            </a:r>
-            <a:r>
-              <a:rPr lang="pt-BR" b="1" i="1" dirty="0" smtClean="0">
-                <a:latin typeface="Roboto" panose="02000000000000000000" pitchFamily="2" charset="0"/>
-                <a:ea typeface="Roboto" panose="02000000000000000000" pitchFamily="2" charset="0"/>
-                <a:cs typeface="Roboto" panose="02000000000000000000" pitchFamily="2" charset="0"/>
-              </a:rPr>
-              <a:t>DOCKER</a:t>
-            </a:r>
-            <a:endParaRPr lang="pt-BR" b="1" i="1" dirty="0">
-              <a:latin typeface="Roboto" panose="02000000000000000000" pitchFamily="2" charset="0"/>
-              <a:ea typeface="Roboto" panose="02000000000000000000" pitchFamily="2" charset="0"/>
-              <a:cs typeface="Roboto" panose="02000000000000000000" pitchFamily="2" charset="0"/>
-            </a:endParaRPr>
-          </a:p>
-        </p:txBody>
-      </p:sp>
-      <p:sp>
-        <p:nvSpPr>
-          <p:cNvPr id="79" name="CaixaDeTexto 78"/>
-          <p:cNvSpPr txBox="1"/>
-          <p:nvPr/>
-        </p:nvSpPr>
-        <p:spPr>
-          <a:xfrm>
-            <a:off x="5235031" y="1348288"/>
-            <a:ext cx="2928952" cy="646331"/>
-          </a:xfrm>
-          <a:prstGeom prst="rect">
-            <a:avLst/>
-          </a:prstGeom>
-          <a:noFill/>
-        </p:spPr>
-        <p:txBody>
-          <a:bodyPr wrap="square" rtlCol="0">
-            <a:spAutoFit/>
-          </a:bodyPr>
-          <a:lstStyle/>
-          <a:p>
-            <a:r>
-              <a:rPr lang="pt-BR" i="1" dirty="0" smtClean="0">
-                <a:latin typeface="Roboto" panose="02000000000000000000" pitchFamily="2" charset="0"/>
-                <a:ea typeface="Roboto" panose="02000000000000000000" pitchFamily="2" charset="0"/>
-                <a:cs typeface="Roboto" panose="02000000000000000000" pitchFamily="2" charset="0"/>
-              </a:rPr>
-              <a:t>DEPLOY DOS PODS NA </a:t>
-            </a:r>
-            <a:r>
-              <a:rPr lang="pt-BR" b="1" i="1" dirty="0" smtClean="0">
-                <a:latin typeface="Roboto" panose="02000000000000000000" pitchFamily="2" charset="0"/>
-                <a:ea typeface="Roboto" panose="02000000000000000000" pitchFamily="2" charset="0"/>
-                <a:cs typeface="Roboto" panose="02000000000000000000" pitchFamily="2" charset="0"/>
-              </a:rPr>
-              <a:t>AMAZON WEB SERVICES</a:t>
-            </a:r>
-            <a:endParaRPr lang="pt-BR" b="1" i="1" dirty="0">
-              <a:latin typeface="Roboto" panose="02000000000000000000" pitchFamily="2" charset="0"/>
-              <a:ea typeface="Roboto" panose="02000000000000000000" pitchFamily="2" charset="0"/>
-              <a:cs typeface="Roboto" panose="02000000000000000000" pitchFamily="2" charset="0"/>
-            </a:endParaRPr>
-          </a:p>
-        </p:txBody>
-      </p:sp>
-      <p:sp>
-        <p:nvSpPr>
-          <p:cNvPr id="85" name="CaixaDeTexto 84"/>
-          <p:cNvSpPr txBox="1"/>
-          <p:nvPr/>
-        </p:nvSpPr>
-        <p:spPr>
-          <a:xfrm>
-            <a:off x="8599774" y="4702395"/>
-            <a:ext cx="454706" cy="523220"/>
-          </a:xfrm>
-          <a:prstGeom prst="rect">
-            <a:avLst/>
-          </a:prstGeom>
-          <a:noFill/>
-        </p:spPr>
-        <p:txBody>
-          <a:bodyPr wrap="square" rtlCol="0">
-            <a:spAutoFit/>
-          </a:bodyPr>
-          <a:lstStyle/>
-          <a:p>
-            <a:r>
-              <a:rPr lang="pt-BR" sz="2800" b="1" i="1" dirty="0" smtClean="0">
-                <a:latin typeface="Roboto" panose="02000000000000000000" pitchFamily="2" charset="0"/>
-                <a:ea typeface="Roboto" panose="02000000000000000000" pitchFamily="2" charset="0"/>
-                <a:cs typeface="Roboto" panose="02000000000000000000" pitchFamily="2" charset="0"/>
-              </a:rPr>
-              <a:t>5</a:t>
-            </a:r>
-            <a:endParaRPr lang="pt-BR" b="1" i="1" dirty="0">
-              <a:latin typeface="Roboto" panose="02000000000000000000" pitchFamily="2" charset="0"/>
-              <a:ea typeface="Roboto" panose="02000000000000000000" pitchFamily="2" charset="0"/>
-              <a:cs typeface="Roboto" panose="02000000000000000000" pitchFamily="2" charset="0"/>
-            </a:endParaRPr>
-          </a:p>
-        </p:txBody>
-      </p:sp>
-      <p:sp>
-        <p:nvSpPr>
-          <p:cNvPr id="86" name="CaixaDeTexto 85"/>
-          <p:cNvSpPr txBox="1"/>
-          <p:nvPr/>
-        </p:nvSpPr>
-        <p:spPr>
-          <a:xfrm>
-            <a:off x="10067858" y="4026334"/>
-            <a:ext cx="1980450" cy="923330"/>
-          </a:xfrm>
-          <a:prstGeom prst="rect">
-            <a:avLst/>
-          </a:prstGeom>
-          <a:noFill/>
-        </p:spPr>
-        <p:txBody>
-          <a:bodyPr wrap="square" rtlCol="0">
-            <a:spAutoFit/>
-          </a:bodyPr>
-          <a:lstStyle/>
-          <a:p>
-            <a:r>
-              <a:rPr lang="pt-BR" i="1" dirty="0" smtClean="0">
+              <a:rPr lang="pt-BR" i="1" dirty="0">
                 <a:latin typeface="Roboto" panose="02000000000000000000" pitchFamily="2" charset="0"/>
                 <a:ea typeface="Roboto" panose="02000000000000000000" pitchFamily="2" charset="0"/>
                 <a:cs typeface="Roboto" panose="02000000000000000000" pitchFamily="2" charset="0"/>
@@ -4012,7 +3961,7 @@
               <a:t>ATAQUE DE </a:t>
             </a:r>
             <a:r>
-              <a:rPr lang="pt-BR" b="1" i="1" dirty="0" smtClean="0">
+              <a:rPr lang="pt-BR" b="1" i="1" dirty="0">
                 <a:latin typeface="Roboto" panose="02000000000000000000" pitchFamily="2" charset="0"/>
                 <a:ea typeface="Roboto" panose="02000000000000000000" pitchFamily="2" charset="0"/>
                 <a:cs typeface="Roboto" panose="02000000000000000000" pitchFamily="2" charset="0"/>
@@ -4020,7 +3969,7 @@
               <a:t>CPU</a:t>
             </a:r>
             <a:r>
-              <a:rPr lang="pt-BR" i="1" dirty="0" smtClean="0">
+              <a:rPr lang="pt-BR" i="1" dirty="0">
                 <a:latin typeface="Roboto" panose="02000000000000000000" pitchFamily="2" charset="0"/>
                 <a:ea typeface="Roboto" panose="02000000000000000000" pitchFamily="2" charset="0"/>
                 <a:cs typeface="Roboto" panose="02000000000000000000" pitchFamily="2" charset="0"/>
@@ -4028,7 +3977,7 @@
               <a:t> E </a:t>
             </a:r>
             <a:r>
-              <a:rPr lang="pt-BR" b="1" i="1" dirty="0" smtClean="0">
+              <a:rPr lang="pt-BR" b="1" i="1" dirty="0">
                 <a:latin typeface="Roboto" panose="02000000000000000000" pitchFamily="2" charset="0"/>
                 <a:ea typeface="Roboto" panose="02000000000000000000" pitchFamily="2" charset="0"/>
                 <a:cs typeface="Roboto" panose="02000000000000000000" pitchFamily="2" charset="0"/>
@@ -4036,7 +3985,7 @@
               <a:t>SHUTDOWN</a:t>
             </a:r>
             <a:r>
-              <a:rPr lang="pt-BR" i="1" dirty="0" smtClean="0">
+              <a:rPr lang="pt-BR" i="1" dirty="0">
                 <a:latin typeface="Roboto" panose="02000000000000000000" pitchFamily="2" charset="0"/>
                 <a:ea typeface="Roboto" panose="02000000000000000000" pitchFamily="2" charset="0"/>
                 <a:cs typeface="Roboto" panose="02000000000000000000" pitchFamily="2" charset="0"/>
@@ -4044,18 +3993,13 @@
               <a:t> COM </a:t>
             </a:r>
             <a:r>
-              <a:rPr lang="pt-BR" b="1" i="1" dirty="0" smtClean="0">
+              <a:rPr lang="pt-BR" b="1" i="1" dirty="0">
                 <a:latin typeface="Roboto" panose="02000000000000000000" pitchFamily="2" charset="0"/>
                 <a:ea typeface="Roboto" panose="02000000000000000000" pitchFamily="2" charset="0"/>
                 <a:cs typeface="Roboto" panose="02000000000000000000" pitchFamily="2" charset="0"/>
               </a:rPr>
               <a:t>GREMLIN</a:t>
             </a:r>
-            <a:endParaRPr lang="pt-BR" b="1" i="1" dirty="0">
-              <a:latin typeface="Roboto" panose="02000000000000000000" pitchFamily="2" charset="0"/>
-              <a:ea typeface="Roboto" panose="02000000000000000000" pitchFamily="2" charset="0"/>
-              <a:cs typeface="Roboto" panose="02000000000000000000" pitchFamily="2" charset="0"/>
-            </a:endParaRPr>
           </a:p>
         </p:txBody>
       </p:sp>
@@ -4082,26 +4026,21 @@
           <a:lstStyle/>
           <a:p>
             <a:r>
-              <a:rPr lang="pt-BR" i="1" dirty="0" smtClean="0">
+              <a:rPr lang="pt-BR" i="1" dirty="0">
                 <a:latin typeface="Roboto" panose="02000000000000000000" pitchFamily="2" charset="0"/>
                 <a:ea typeface="Roboto" panose="02000000000000000000" pitchFamily="2" charset="0"/>
                 <a:cs typeface="Roboto" panose="02000000000000000000" pitchFamily="2" charset="0"/>
               </a:rPr>
-              <a:t>AUTOMATIZAÇÃO DAS EXPERIMENTAÇÕES COM </a:t>
-            </a:r>
-            <a:r>
-              <a:rPr lang="pt-BR" b="1" i="1" dirty="0" smtClean="0">
+              <a:t>AUTOMATIZAÇÃO DOS EXPERIMENTOS COM </a:t>
+            </a:r>
+            <a:r>
+              <a:rPr lang="pt-BR" b="1" i="1" dirty="0">
                 <a:latin typeface="Roboto" panose="02000000000000000000" pitchFamily="2" charset="0"/>
                 <a:ea typeface="Roboto" panose="02000000000000000000" pitchFamily="2" charset="0"/>
                 <a:cs typeface="Roboto" panose="02000000000000000000" pitchFamily="2" charset="0"/>
               </a:rPr>
               <a:t>CHAOS TOOLKIT</a:t>
             </a:r>
-            <a:endParaRPr lang="pt-BR" b="1" i="1" dirty="0">
-              <a:latin typeface="Roboto" panose="02000000000000000000" pitchFamily="2" charset="0"/>
-              <a:ea typeface="Roboto" panose="02000000000000000000" pitchFamily="2" charset="0"/>
-              <a:cs typeface="Roboto" panose="02000000000000000000" pitchFamily="2" charset="0"/>
-            </a:endParaRPr>
           </a:p>
         </p:txBody>
       </p:sp>
@@ -4144,6 +4083,42 @@
           </a:fontRef>
         </p:style>
       </p:cxnSp>
+      <p:pic>
+        <p:nvPicPr>
+          <p:cNvPr id="3" name="Imagem 2">
+            <a:extLst>
+              <a:ext uri="{FF2B5EF4-FFF2-40B4-BE49-F238E27FC236}">
+                <a16:creationId xmlns:a16="http://schemas.microsoft.com/office/drawing/2014/main" id="{10B15967-B736-4459-9A79-72CA7DBE35F4}"/>
+              </a:ext>
+            </a:extLst>
+          </p:cNvPr>
+          <p:cNvPicPr>
+            <a:picLocks noChangeAspect="1"/>
+          </p:cNvPicPr>
+          <p:nvPr/>
+        </p:nvPicPr>
+        <p:blipFill>
+          <a:blip r:embed="rId11" cstate="print">
+            <a:extLst>
+              <a:ext uri="{28A0092B-C50C-407E-A947-70E740481C1C}">
+                <a14:useLocalDpi xmlns:a14="http://schemas.microsoft.com/office/drawing/2010/main" val="0"/>
+              </a:ext>
+            </a:extLst>
+          </a:blip>
+          <a:stretch>
+            <a:fillRect/>
+          </a:stretch>
+        </p:blipFill>
+        <p:spPr>
+          <a:xfrm>
+            <a:off x="219831" y="6207572"/>
+            <a:ext cx="1796681" cy="485087"/>
+          </a:xfrm>
+          <a:prstGeom prst="rect">
+            <a:avLst/>
+          </a:prstGeom>
+        </p:spPr>
+      </p:pic>
     </p:spTree>
     <p:extLst>
       <p:ext uri="{BB962C8B-B14F-4D97-AF65-F5344CB8AC3E}">
@@ -4154,13 +4129,6 @@
   <p:clrMapOvr>
     <a:masterClrMapping/>
   </p:clrMapOvr>
-  <p:timing>
-    <p:tnLst>
-      <p:par>
-        <p:cTn id="1" dur="indefinite" restart="never" nodeType="tmRoot"/>
-      </p:par>
-    </p:tnLst>
-  </p:timing>
 </p:sld>
 </file>
 
